--- a/Prezentare_LupuElena.pptx
+++ b/Prezentare_LupuElena.pptx
@@ -236,7 +236,7 @@
             <a:pPr rtl="0"/>
             <a:fld id="{81E8A9F1-D229-4CE9-80C4-F1BF46BC1BD1}" type="datetime1">
               <a:rPr lang="ro-RO" smtClean="0"/>
-              <a:t>28.06.2024</a:t>
+              <a:t>30.06.2024</a:t>
             </a:fld>
             <a:endParaRPr lang="ro-RO" dirty="0"/>
           </a:p>
@@ -406,7 +406,7 @@
             <a:pPr rtl="0"/>
             <a:fld id="{8653C778-B41C-4641-AC71-D31E6514463A}" type="datetime1">
               <a:rPr lang="ro-RO" noProof="0" smtClean="0"/>
-              <a:t>28.06.2024</a:t>
+              <a:t>30.06.2024</a:t>
             </a:fld>
             <a:endParaRPr lang="ro-RO" noProof="0" dirty="0"/>
           </a:p>
@@ -902,7 +902,7 @@
             <a:pPr rtl="0"/>
             <a:fld id="{5FC4B84E-BA40-4C83-9A27-4557DC151348}" type="datetime1">
               <a:rPr lang="ro-RO" noProof="0" smtClean="0"/>
-              <a:t>28.06.2024</a:t>
+              <a:t>30.06.2024</a:t>
             </a:fld>
             <a:endParaRPr lang="ro-RO" noProof="0" dirty="0"/>
           </a:p>
@@ -1096,7 +1096,7 @@
             <a:pPr rtl="0"/>
             <a:fld id="{1214D7A7-76A0-4303-B188-0C73B7BE5470}" type="datetime1">
               <a:rPr lang="ro-RO" noProof="0" smtClean="0"/>
-              <a:t>28.06.2024</a:t>
+              <a:t>30.06.2024</a:t>
             </a:fld>
             <a:endParaRPr lang="ro-RO" noProof="0" dirty="0"/>
           </a:p>
@@ -1295,7 +1295,7 @@
             <a:pPr rtl="0"/>
             <a:fld id="{BC9EEB61-C68A-4392-AF37-70E37CAFC4DF}" type="datetime1">
               <a:rPr lang="ro-RO" noProof="0" smtClean="0"/>
-              <a:t>28.06.2024</a:t>
+              <a:t>30.06.2024</a:t>
             </a:fld>
             <a:endParaRPr lang="ro-RO" noProof="0" dirty="0"/>
           </a:p>
@@ -1572,7 +1572,7 @@
             <a:pPr rtl="0"/>
             <a:fld id="{DD076F24-8E8E-48A1-82BE-9A5D5E430543}" type="datetime1">
               <a:rPr lang="ro-RO" noProof="0" smtClean="0"/>
-              <a:t>28.06.2024</a:t>
+              <a:t>30.06.2024</a:t>
             </a:fld>
             <a:endParaRPr lang="ro-RO" noProof="0" dirty="0"/>
           </a:p>
@@ -1761,7 +1761,7 @@
             <a:pPr rtl="0"/>
             <a:fld id="{9DD9B397-1A52-49B0-94CA-ED53BC8FBB36}" type="datetime1">
               <a:rPr lang="ro-RO" noProof="0" smtClean="0"/>
-              <a:t>28.06.2024</a:t>
+              <a:t>30.06.2024</a:t>
             </a:fld>
             <a:endParaRPr lang="ro-RO" noProof="0" dirty="0"/>
           </a:p>
@@ -1972,7 +1972,7 @@
             <a:pPr rtl="0"/>
             <a:fld id="{B1B50E93-B8E8-4233-B3E9-30EFAFA0E43A}" type="datetime1">
               <a:rPr lang="ro-RO" noProof="0" smtClean="0"/>
-              <a:t>28.06.2024</a:t>
+              <a:t>30.06.2024</a:t>
             </a:fld>
             <a:endParaRPr lang="ro-RO" noProof="0" dirty="0"/>
           </a:p>
@@ -2279,7 +2279,7 @@
             <a:pPr rtl="0"/>
             <a:fld id="{3F1DD5C6-B40E-40F0-8B5C-E07198143FA8}" type="datetime1">
               <a:rPr lang="ro-RO" noProof="0" smtClean="0"/>
-              <a:t>28.06.2024</a:t>
+              <a:t>30.06.2024</a:t>
             </a:fld>
             <a:endParaRPr lang="ro-RO" noProof="0" dirty="0"/>
           </a:p>
@@ -2741,7 +2741,7 @@
             <a:pPr rtl="0"/>
             <a:fld id="{9E6C6A1F-B8BF-4D42-95CC-A06602A4A916}" type="datetime1">
               <a:rPr lang="ro-RO" noProof="0" smtClean="0"/>
-              <a:t>28.06.2024</a:t>
+              <a:t>30.06.2024</a:t>
             </a:fld>
             <a:endParaRPr lang="ro-RO" noProof="0" dirty="0"/>
           </a:p>
@@ -2878,7 +2878,7 @@
             <a:pPr rtl="0"/>
             <a:fld id="{9577F523-5A37-4D65-99E2-2AC0203AB21F}" type="datetime1">
               <a:rPr lang="ro-RO" noProof="0" smtClean="0"/>
-              <a:t>28.06.2024</a:t>
+              <a:t>30.06.2024</a:t>
             </a:fld>
             <a:endParaRPr lang="ro-RO" noProof="0" dirty="0"/>
           </a:p>
@@ -2991,7 +2991,7 @@
             <a:pPr rtl="0"/>
             <a:fld id="{B9157CF1-B5ED-4CF8-A492-8D2F17511435}" type="datetime1">
               <a:rPr lang="ro-RO" noProof="0" smtClean="0"/>
-              <a:t>28.06.2024</a:t>
+              <a:t>30.06.2024</a:t>
             </a:fld>
             <a:endParaRPr lang="ro-RO" noProof="0" dirty="0"/>
           </a:p>
@@ -3287,7 +3287,7 @@
             <a:pPr rtl="0"/>
             <a:fld id="{540E1E83-7523-4D00-B596-1C9456873DD8}" type="datetime1">
               <a:rPr lang="ro-RO" noProof="0" smtClean="0"/>
-              <a:t>28.06.2024</a:t>
+              <a:t>30.06.2024</a:t>
             </a:fld>
             <a:endParaRPr lang="ro-RO" noProof="0" dirty="0"/>
           </a:p>
@@ -3564,7 +3564,7 @@
             <a:pPr rtl="0"/>
             <a:fld id="{722E04B1-141D-45CA-9320-B73A06B5422D}" type="datetime1">
               <a:rPr lang="ro-RO" noProof="0" smtClean="0"/>
-              <a:t>28.06.2024</a:t>
+              <a:t>30.06.2024</a:t>
             </a:fld>
             <a:endParaRPr lang="ro-RO" noProof="0" dirty="0"/>
           </a:p>
@@ -3804,7 +3804,7 @@
             <a:pPr rtl="0"/>
             <a:fld id="{92384BFD-AA2D-40E4-9FC9-103D79C63222}" type="datetime1">
               <a:rPr lang="ro-RO" noProof="0" smtClean="0"/>
-              <a:t>28.06.2024</a:t>
+              <a:t>30.06.2024</a:t>
             </a:fld>
             <a:endParaRPr lang="ro-RO" noProof="0" dirty="0"/>
           </a:p>
@@ -4326,7 +4326,7 @@
         </p:nvSpPr>
         <p:spPr>
           <a:xfrm>
-            <a:off x="1524000" y="4990532"/>
+            <a:off x="1524000" y="4772167"/>
             <a:ext cx="9144000" cy="1546746"/>
           </a:xfrm>
         </p:spPr>
@@ -4750,8 +4750,8 @@
         </p:nvSpPr>
         <p:spPr>
           <a:xfrm>
-            <a:off x="2306473" y="265041"/>
-            <a:ext cx="10211937" cy="1322647"/>
+            <a:off x="3016155" y="-80702"/>
+            <a:ext cx="9474960" cy="1322647"/>
           </a:xfrm>
         </p:spPr>
         <p:txBody>
@@ -4790,7 +4790,12 @@
             <p:ph type="sldNum" sz="quarter" idx="12"/>
           </p:nvPr>
         </p:nvSpPr>
-        <p:spPr/>
+        <p:spPr>
+          <a:xfrm>
+            <a:off x="8049905" y="6010607"/>
+            <a:ext cx="3276600" cy="365125"/>
+          </a:xfrm>
+        </p:spPr>
         <p:txBody>
           <a:bodyPr/>
           <a:lstStyle/>
@@ -4818,7 +4823,7 @@
         </p:nvSpPr>
         <p:spPr>
           <a:xfrm>
-            <a:off x="7412441" y="1633773"/>
+            <a:off x="6558086" y="1367670"/>
             <a:ext cx="2983637" cy="369332"/>
           </a:xfrm>
           <a:prstGeom prst="rect">
@@ -4858,7 +4863,7 @@
         </p:nvSpPr>
         <p:spPr>
           <a:xfrm>
-            <a:off x="977522" y="1633773"/>
+            <a:off x="841044" y="1367670"/>
             <a:ext cx="2983637" cy="369332"/>
           </a:xfrm>
           <a:prstGeom prst="rect">
@@ -4884,60 +4889,12 @@
           </a:p>
         </p:txBody>
       </p:sp>
-      <p:sp>
-        <p:nvSpPr>
-          <p:cNvPr id="6" name="TextBox 5">
+      <p:pic>
+        <p:nvPicPr>
+          <p:cNvPr id="5123" name="Picture 1">
             <a:extLst>
               <a:ext uri="{FF2B5EF4-FFF2-40B4-BE49-F238E27FC236}">
-                <a16:creationId xmlns:a16="http://schemas.microsoft.com/office/drawing/2014/main" id="{1639CAC3-5E3E-0558-B08F-AB8C79B456F6}"/>
-              </a:ext>
-            </a:extLst>
-          </p:cNvPr>
-          <p:cNvSpPr txBox="1"/>
-          <p:nvPr/>
-        </p:nvSpPr>
-        <p:spPr>
-          <a:xfrm>
-            <a:off x="4078574" y="3002522"/>
-            <a:ext cx="4034851" cy="646331"/>
-          </a:xfrm>
-          <a:prstGeom prst="rect">
-            <a:avLst/>
-          </a:prstGeom>
-          <a:noFill/>
-          <a:ln>
-            <a:noFill/>
-          </a:ln>
-        </p:spPr>
-        <p:txBody>
-          <a:bodyPr wrap="square" rtlCol="0" anchor="ctr" anchorCtr="1">
-            <a:spAutoFit/>
-          </a:bodyPr>
-          <a:lstStyle/>
-          <a:p>
-            <a:r>
-              <a:rPr lang="ro-RO" dirty="0">
-                <a:latin typeface="+mj-lt"/>
-              </a:rPr>
-              <a:t>Caz fără puncte</a:t>
-            </a:r>
-          </a:p>
-          <a:p>
-            <a:r>
-              <a:rPr lang="ro-RO" dirty="0">
-                <a:latin typeface="+mj-lt"/>
-              </a:rPr>
-              <a:t>intermediare/evitate</a:t>
-            </a:r>
-          </a:p>
-        </p:txBody>
-      </p:sp>
-      <p:pic>
-        <p:nvPicPr>
-          <p:cNvPr id="5122" name="Picture 1">
-            <a:extLst>
-              <a:ext uri="{FF2B5EF4-FFF2-40B4-BE49-F238E27FC236}">
-                <a16:creationId xmlns:a16="http://schemas.microsoft.com/office/drawing/2014/main" id="{F9954578-3FC2-2F66-B310-5D3579EB7D93}"/>
+                <a16:creationId xmlns:a16="http://schemas.microsoft.com/office/drawing/2014/main" id="{71068496-7B8E-9D21-36AB-7A68B4610930}"/>
               </a:ext>
             </a:extLst>
           </p:cNvPr>
@@ -4954,177 +4911,13 @@
               </a:ext>
             </a:extLst>
           </a:blip>
-          <a:srcRect l="1762" t="2108" r="925" b="1238"/>
+          <a:srcRect l="5126" t="4867" r="9469" b="14430"/>
           <a:stretch/>
         </p:blipFill>
         <p:spPr bwMode="auto">
           <a:xfrm>
-            <a:off x="977522" y="2088108"/>
-            <a:ext cx="3621774" cy="2417847"/>
-          </a:xfrm>
-          <a:prstGeom prst="rect">
-            <a:avLst/>
-          </a:prstGeom>
-          <a:noFill/>
-          <a:ln>
-            <a:noFill/>
-          </a:ln>
-          <a:extLst>
-            <a:ext uri="{909E8E84-426E-40DD-AFC4-6F175D3DCCD1}">
-              <a14:hiddenFill xmlns:a14="http://schemas.microsoft.com/office/drawing/2010/main">
-                <a:solidFill>
-                  <a:srgbClr val="FFFFFF"/>
-                </a:solidFill>
-              </a14:hiddenFill>
-            </a:ext>
-            <a:ext uri="{91240B29-F687-4F45-9708-019B960494DF}">
-              <a14:hiddenLine xmlns:a14="http://schemas.microsoft.com/office/drawing/2010/main" w="9525">
-                <a:solidFill>
-                  <a:srgbClr val="000000"/>
-                </a:solidFill>
-                <a:miter lim="800000"/>
-                <a:headEnd/>
-                <a:tailEnd/>
-              </a14:hiddenLine>
-            </a:ext>
-          </a:extLst>
-        </p:spPr>
-      </p:pic>
-      <p:sp>
-        <p:nvSpPr>
-          <p:cNvPr id="7" name="TextBox 6">
-            <a:extLst>
-              <a:ext uri="{FF2B5EF4-FFF2-40B4-BE49-F238E27FC236}">
-                <a16:creationId xmlns:a16="http://schemas.microsoft.com/office/drawing/2014/main" id="{354914D8-60D4-737F-20A4-9F0D877375C7}"/>
-              </a:ext>
-            </a:extLst>
-          </p:cNvPr>
-          <p:cNvSpPr txBox="1"/>
-          <p:nvPr/>
-        </p:nvSpPr>
-        <p:spPr>
-          <a:xfrm>
-            <a:off x="4078574" y="5617767"/>
-            <a:ext cx="4034851" cy="646331"/>
-          </a:xfrm>
-          <a:prstGeom prst="rect">
-            <a:avLst/>
-          </a:prstGeom>
-          <a:noFill/>
-          <a:ln>
-            <a:noFill/>
-          </a:ln>
-        </p:spPr>
-        <p:txBody>
-          <a:bodyPr wrap="square" rtlCol="0" anchor="ctr" anchorCtr="1">
-            <a:spAutoFit/>
-          </a:bodyPr>
-          <a:lstStyle/>
-          <a:p>
-            <a:r>
-              <a:rPr lang="ro-RO" dirty="0">
-                <a:latin typeface="+mj-lt"/>
-              </a:rPr>
-              <a:t>Caz cu puncte</a:t>
-            </a:r>
-          </a:p>
-          <a:p>
-            <a:r>
-              <a:rPr lang="ro-RO" dirty="0">
-                <a:latin typeface="+mj-lt"/>
-              </a:rPr>
-              <a:t>intermediare/evitate</a:t>
-            </a:r>
-          </a:p>
-        </p:txBody>
-      </p:sp>
-      <p:pic>
-        <p:nvPicPr>
-          <p:cNvPr id="5123" name="Picture 1">
-            <a:extLst>
-              <a:ext uri="{FF2B5EF4-FFF2-40B4-BE49-F238E27FC236}">
-                <a16:creationId xmlns:a16="http://schemas.microsoft.com/office/drawing/2014/main" id="{71068496-7B8E-9D21-36AB-7A68B4610930}"/>
-              </a:ext>
-            </a:extLst>
-          </p:cNvPr>
-          <p:cNvPicPr>
-            <a:picLocks noChangeAspect="1" noChangeArrowheads="1"/>
-          </p:cNvPicPr>
-          <p:nvPr/>
-        </p:nvPicPr>
-        <p:blipFill rotWithShape="1">
-          <a:blip r:embed="rId3">
-            <a:extLst>
-              <a:ext uri="{28A0092B-C50C-407E-A947-70E740481C1C}">
-                <a14:useLocalDpi xmlns:a14="http://schemas.microsoft.com/office/drawing/2010/main" val="0"/>
-              </a:ext>
-            </a:extLst>
-          </a:blip>
-          <a:srcRect l="1461" t="1195" r="1683" b="2079"/>
-          <a:stretch/>
-        </p:blipFill>
-        <p:spPr bwMode="auto">
-          <a:xfrm>
-            <a:off x="977522" y="4415498"/>
-            <a:ext cx="3621774" cy="2404538"/>
-          </a:xfrm>
-          <a:prstGeom prst="rect">
-            <a:avLst/>
-          </a:prstGeom>
-          <a:noFill/>
-          <a:ln>
-            <a:noFill/>
-          </a:ln>
-          <a:extLst>
-            <a:ext uri="{909E8E84-426E-40DD-AFC4-6F175D3DCCD1}">
-              <a14:hiddenFill xmlns:a14="http://schemas.microsoft.com/office/drawing/2010/main">
-                <a:solidFill>
-                  <a:srgbClr val="FFFFFF"/>
-                </a:solidFill>
-              </a14:hiddenFill>
-            </a:ext>
-            <a:ext uri="{91240B29-F687-4F45-9708-019B960494DF}">
-              <a14:hiddenLine xmlns:a14="http://schemas.microsoft.com/office/drawing/2010/main" w="9525">
-                <a:solidFill>
-                  <a:srgbClr val="000000"/>
-                </a:solidFill>
-                <a:miter lim="800000"/>
-                <a:headEnd/>
-                <a:tailEnd/>
-              </a14:hiddenLine>
-            </a:ext>
-          </a:extLst>
-        </p:spPr>
-      </p:pic>
-      <p:pic>
-        <p:nvPicPr>
-          <p:cNvPr id="5124" name="Picture 1">
-            <a:extLst>
-              <a:ext uri="{FF2B5EF4-FFF2-40B4-BE49-F238E27FC236}">
-                <a16:creationId xmlns:a16="http://schemas.microsoft.com/office/drawing/2014/main" id="{2C5A6783-E055-CA6D-5100-4173365E4D28}"/>
-              </a:ext>
-            </a:extLst>
-          </p:cNvPr>
-          <p:cNvPicPr>
-            <a:picLocks noChangeAspect="1" noChangeArrowheads="1"/>
-          </p:cNvPicPr>
-          <p:nvPr/>
-        </p:nvPicPr>
-        <p:blipFill rotWithShape="1">
-          <a:blip r:embed="rId4">
-            <a:extLst>
-              <a:ext uri="{28A0092B-C50C-407E-A947-70E740481C1C}">
-                <a14:useLocalDpi xmlns:a14="http://schemas.microsoft.com/office/drawing/2010/main" val="0"/>
-              </a:ext>
-            </a:extLst>
-          </a:blip>
-          <a:srcRect l="847" t="2115" r="2296" b="3166"/>
-          <a:stretch/>
-        </p:blipFill>
-        <p:spPr bwMode="auto">
-          <a:xfrm>
-            <a:off x="7333397" y="1961925"/>
-            <a:ext cx="3744036" cy="2453573"/>
+            <a:off x="1449712" y="3991565"/>
+            <a:ext cx="3448993" cy="2166675"/>
           </a:xfrm>
           <a:prstGeom prst="rect">
             <a:avLst/>
@@ -5169,20 +4962,20 @@
           <p:nvPr/>
         </p:nvPicPr>
         <p:blipFill rotWithShape="1">
-          <a:blip r:embed="rId5">
+          <a:blip r:embed="rId3">
             <a:extLst>
               <a:ext uri="{28A0092B-C50C-407E-A947-70E740481C1C}">
                 <a14:useLocalDpi xmlns:a14="http://schemas.microsoft.com/office/drawing/2010/main" val="0"/>
               </a:ext>
             </a:extLst>
           </a:blip>
-          <a:srcRect l="2136" t="3202" r="2699" b="1477"/>
+          <a:srcRect l="9635" t="8256" r="10538" b="11024"/>
           <a:stretch/>
         </p:blipFill>
         <p:spPr bwMode="auto">
           <a:xfrm>
-            <a:off x="7333397" y="4220185"/>
-            <a:ext cx="3744036" cy="2501290"/>
+            <a:off x="7500820" y="3866187"/>
+            <a:ext cx="3542026" cy="2296486"/>
           </a:xfrm>
           <a:prstGeom prst="rect">
             <a:avLst/>
@@ -5214,46 +5007,6 @@
       </p:pic>
       <p:sp>
         <p:nvSpPr>
-          <p:cNvPr id="8" name="TextBox 7">
-            <a:extLst>
-              <a:ext uri="{FF2B5EF4-FFF2-40B4-BE49-F238E27FC236}">
-                <a16:creationId xmlns:a16="http://schemas.microsoft.com/office/drawing/2014/main" id="{86257FB7-5A59-0254-CBE8-688E822F9C91}"/>
-              </a:ext>
-            </a:extLst>
-          </p:cNvPr>
-          <p:cNvSpPr txBox="1"/>
-          <p:nvPr/>
-        </p:nvSpPr>
-        <p:spPr>
-          <a:xfrm>
-            <a:off x="977522" y="1646331"/>
-            <a:ext cx="2983637" cy="369332"/>
-          </a:xfrm>
-          <a:prstGeom prst="rect">
-            <a:avLst/>
-          </a:prstGeom>
-          <a:noFill/>
-          <a:ln>
-            <a:noFill/>
-          </a:ln>
-        </p:spPr>
-        <p:txBody>
-          <a:bodyPr wrap="square" rtlCol="0" anchor="ctr" anchorCtr="1">
-            <a:spAutoFit/>
-          </a:bodyPr>
-          <a:lstStyle/>
-          <a:p>
-            <a:r>
-              <a:rPr lang="ro-RO" dirty="0">
-                <a:latin typeface="+mj-lt"/>
-              </a:rPr>
-              <a:t>SQL Server</a:t>
-            </a:r>
-          </a:p>
-        </p:txBody>
-      </p:sp>
-      <p:sp>
-        <p:nvSpPr>
           <p:cNvPr id="9" name="TextBox 8">
             <a:extLst>
               <a:ext uri="{FF2B5EF4-FFF2-40B4-BE49-F238E27FC236}">
@@ -5266,7 +5019,7 @@
         </p:nvSpPr>
         <p:spPr>
           <a:xfrm>
-            <a:off x="4078574" y="3015080"/>
+            <a:off x="4174108" y="2871730"/>
             <a:ext cx="4034851" cy="646331"/>
           </a:xfrm>
           <a:prstGeom prst="rect">
@@ -5314,7 +5067,7 @@
         </p:nvSpPr>
         <p:spPr>
           <a:xfrm>
-            <a:off x="4078574" y="5630325"/>
+            <a:off x="4174108" y="5486975"/>
             <a:ext cx="4034851" cy="646331"/>
           </a:xfrm>
           <a:prstGeom prst="rect">
@@ -5348,6 +5101,122 @@
           </a:p>
         </p:txBody>
       </p:sp>
+      <p:pic>
+        <p:nvPicPr>
+          <p:cNvPr id="11" name="Picture 1">
+            <a:extLst>
+              <a:ext uri="{FF2B5EF4-FFF2-40B4-BE49-F238E27FC236}">
+                <a16:creationId xmlns:a16="http://schemas.microsoft.com/office/drawing/2014/main" id="{1D53697B-B8C4-7F7F-688A-D0EFB9F98C50}"/>
+              </a:ext>
+            </a:extLst>
+          </p:cNvPr>
+          <p:cNvPicPr>
+            <a:picLocks noChangeAspect="1" noChangeArrowheads="1"/>
+          </p:cNvPicPr>
+          <p:nvPr/>
+        </p:nvPicPr>
+        <p:blipFill rotWithShape="1">
+          <a:blip r:embed="rId4">
+            <a:extLst>
+              <a:ext uri="{28A0092B-C50C-407E-A947-70E740481C1C}">
+                <a14:useLocalDpi xmlns:a14="http://schemas.microsoft.com/office/drawing/2010/main" val="0"/>
+              </a:ext>
+            </a:extLst>
+          </a:blip>
+          <a:srcRect l="9478" t="7451" r="10355" b="12824"/>
+          <a:stretch/>
+        </p:blipFill>
+        <p:spPr bwMode="auto">
+          <a:xfrm>
+            <a:off x="1449713" y="1695078"/>
+            <a:ext cx="3435619" cy="2296487"/>
+          </a:xfrm>
+          <a:prstGeom prst="rect">
+            <a:avLst/>
+          </a:prstGeom>
+          <a:noFill/>
+          <a:ln>
+            <a:noFill/>
+          </a:ln>
+          <a:extLst>
+            <a:ext uri="{909E8E84-426E-40DD-AFC4-6F175D3DCCD1}">
+              <a14:hiddenFill xmlns:a14="http://schemas.microsoft.com/office/drawing/2010/main">
+                <a:solidFill>
+                  <a:srgbClr val="FFFFFF"/>
+                </a:solidFill>
+              </a14:hiddenFill>
+            </a:ext>
+            <a:ext uri="{91240B29-F687-4F45-9708-019B960494DF}">
+              <a14:hiddenLine xmlns:a14="http://schemas.microsoft.com/office/drawing/2010/main" w="9525">
+                <a:solidFill>
+                  <a:srgbClr val="000000"/>
+                </a:solidFill>
+                <a:miter lim="800000"/>
+                <a:headEnd/>
+                <a:tailEnd/>
+              </a14:hiddenLine>
+            </a:ext>
+          </a:extLst>
+        </p:spPr>
+      </p:pic>
+      <p:pic>
+        <p:nvPicPr>
+          <p:cNvPr id="12" name="Picture 1">
+            <a:extLst>
+              <a:ext uri="{FF2B5EF4-FFF2-40B4-BE49-F238E27FC236}">
+                <a16:creationId xmlns:a16="http://schemas.microsoft.com/office/drawing/2014/main" id="{1EA2675B-5522-B93F-E0B0-EB287351DC13}"/>
+              </a:ext>
+            </a:extLst>
+          </p:cNvPr>
+          <p:cNvPicPr>
+            <a:picLocks noChangeAspect="1" noChangeArrowheads="1"/>
+          </p:cNvPicPr>
+          <p:nvPr/>
+        </p:nvPicPr>
+        <p:blipFill rotWithShape="1">
+          <a:blip r:embed="rId5">
+            <a:extLst>
+              <a:ext uri="{28A0092B-C50C-407E-A947-70E740481C1C}">
+                <a14:useLocalDpi xmlns:a14="http://schemas.microsoft.com/office/drawing/2010/main" val="0"/>
+              </a:ext>
+            </a:extLst>
+          </a:blip>
+          <a:srcRect l="8687" t="7253" r="11608" b="16793"/>
+          <a:stretch/>
+        </p:blipFill>
+        <p:spPr bwMode="auto">
+          <a:xfrm>
+            <a:off x="7500820" y="1695078"/>
+            <a:ext cx="3542026" cy="2244166"/>
+          </a:xfrm>
+          <a:prstGeom prst="rect">
+            <a:avLst/>
+          </a:prstGeom>
+          <a:noFill/>
+          <a:ln>
+            <a:noFill/>
+          </a:ln>
+          <a:extLst>
+            <a:ext uri="{909E8E84-426E-40DD-AFC4-6F175D3DCCD1}">
+              <a14:hiddenFill xmlns:a14="http://schemas.microsoft.com/office/drawing/2010/main">
+                <a:solidFill>
+                  <a:srgbClr val="FFFFFF"/>
+                </a:solidFill>
+              </a14:hiddenFill>
+            </a:ext>
+            <a:ext uri="{91240B29-F687-4F45-9708-019B960494DF}">
+              <a14:hiddenLine xmlns:a14="http://schemas.microsoft.com/office/drawing/2010/main" w="9525">
+                <a:solidFill>
+                  <a:srgbClr val="000000"/>
+                </a:solidFill>
+                <a:miter lim="800000"/>
+                <a:headEnd/>
+                <a:tailEnd/>
+              </a14:hiddenLine>
+            </a:ext>
+          </a:extLst>
+        </p:spPr>
+      </p:pic>
     </p:spTree>
     <p:extLst>
       <p:ext uri="{BB962C8B-B14F-4D97-AF65-F5344CB8AC3E}">
@@ -5408,7 +5277,7 @@
         </p:nvSpPr>
         <p:spPr>
           <a:xfrm>
-            <a:off x="2442949" y="255944"/>
+            <a:off x="3098610" y="-12470"/>
             <a:ext cx="9957180" cy="1254408"/>
           </a:xfrm>
         </p:spPr>
@@ -5476,7 +5345,7 @@
         </p:nvSpPr>
         <p:spPr>
           <a:xfrm>
-            <a:off x="7412441" y="1633773"/>
+            <a:off x="7047139" y="1301732"/>
             <a:ext cx="2983637" cy="369332"/>
           </a:xfrm>
           <a:prstGeom prst="rect">
@@ -5516,7 +5385,7 @@
         </p:nvSpPr>
         <p:spPr>
           <a:xfrm>
-            <a:off x="977522" y="1646331"/>
+            <a:off x="994069" y="1254223"/>
             <a:ext cx="2983637" cy="369332"/>
           </a:xfrm>
           <a:prstGeom prst="rect">
@@ -5556,7 +5425,7 @@
         </p:nvSpPr>
         <p:spPr>
           <a:xfrm>
-            <a:off x="4078574" y="3015080"/>
+            <a:off x="4733443" y="2614014"/>
             <a:ext cx="4034851" cy="646331"/>
           </a:xfrm>
           <a:prstGeom prst="rect">
@@ -5604,7 +5473,7 @@
         </p:nvSpPr>
         <p:spPr>
           <a:xfrm>
-            <a:off x="4078574" y="5630325"/>
+            <a:off x="4733443" y="5229259"/>
             <a:ext cx="4034851" cy="646331"/>
           </a:xfrm>
           <a:prstGeom prst="rect">
@@ -5660,13 +5529,13 @@
               </a:ext>
             </a:extLst>
           </a:blip>
-          <a:srcRect l="2605" t="3202" r="3467" b="2280"/>
+          <a:srcRect l="9676" t="6866" r="11223" b="14126"/>
           <a:stretch/>
         </p:blipFill>
         <p:spPr bwMode="auto">
           <a:xfrm>
-            <a:off x="859809" y="2095398"/>
-            <a:ext cx="3798627" cy="2530627"/>
+            <a:off x="1632390" y="1580322"/>
+            <a:ext cx="3687961" cy="2438751"/>
           </a:xfrm>
           <a:prstGeom prst="rect">
             <a:avLst/>
@@ -5718,13 +5587,13 @@
               </a:ext>
             </a:extLst>
           </a:blip>
-          <a:srcRect l="1701" t="2369" r="4096" b="4716"/>
+          <a:srcRect l="12650" t="9208" r="11198" b="12897"/>
           <a:stretch/>
         </p:blipFill>
         <p:spPr bwMode="auto">
           <a:xfrm>
-            <a:off x="859808" y="4324766"/>
-            <a:ext cx="3798627" cy="2441881"/>
+            <a:off x="1632390" y="3940642"/>
+            <a:ext cx="3687962" cy="2458641"/>
           </a:xfrm>
           <a:prstGeom prst="rect">
             <a:avLst/>
@@ -5776,13 +5645,13 @@
               </a:ext>
             </a:extLst>
           </a:blip>
-          <a:srcRect l="1119" t="3821" r="1157" b="3863"/>
+          <a:srcRect l="10695" t="9040" r="9970" b="12996"/>
           <a:stretch/>
         </p:blipFill>
         <p:spPr bwMode="auto">
           <a:xfrm>
-            <a:off x="7421539" y="2092642"/>
-            <a:ext cx="3513452" cy="2229368"/>
+            <a:off x="7964678" y="1614597"/>
+            <a:ext cx="3611182" cy="2500250"/>
           </a:xfrm>
           <a:prstGeom prst="rect">
             <a:avLst/>
@@ -5834,13 +5703,13 @@
               </a:ext>
             </a:extLst>
           </a:blip>
-          <a:srcRect l="2595" t="3581" r="2680" b="1758"/>
+          <a:srcRect l="8012" t="9068" r="10786" b="10476"/>
           <a:stretch/>
         </p:blipFill>
         <p:spPr bwMode="auto">
           <a:xfrm>
-            <a:off x="7447128" y="4130721"/>
-            <a:ext cx="3513452" cy="2366160"/>
+            <a:off x="7964679" y="3935746"/>
+            <a:ext cx="3625180" cy="2420603"/>
           </a:xfrm>
           <a:prstGeom prst="rect">
             <a:avLst/>
@@ -5930,7 +5799,7 @@
         </p:nvSpPr>
         <p:spPr>
           <a:xfrm>
-            <a:off x="2597624" y="328731"/>
+            <a:off x="3120788" y="32651"/>
             <a:ext cx="9515902" cy="1163423"/>
           </a:xfrm>
         </p:spPr>
@@ -5998,7 +5867,7 @@
         </p:nvSpPr>
         <p:spPr>
           <a:xfrm>
-            <a:off x="7412441" y="1633773"/>
+            <a:off x="7123661" y="1536804"/>
             <a:ext cx="2983637" cy="369332"/>
           </a:xfrm>
           <a:prstGeom prst="rect">
@@ -6038,7 +5907,7 @@
         </p:nvSpPr>
         <p:spPr>
           <a:xfrm>
-            <a:off x="977522" y="1646331"/>
+            <a:off x="876068" y="1536804"/>
             <a:ext cx="2983637" cy="369332"/>
           </a:xfrm>
           <a:prstGeom prst="rect">
@@ -6078,7 +5947,7 @@
         </p:nvSpPr>
         <p:spPr>
           <a:xfrm>
-            <a:off x="4078574" y="3015080"/>
+            <a:off x="4768690" y="2759983"/>
             <a:ext cx="4034851" cy="646331"/>
           </a:xfrm>
           <a:prstGeom prst="rect">
@@ -6126,7 +5995,7 @@
         </p:nvSpPr>
         <p:spPr>
           <a:xfrm>
-            <a:off x="4078574" y="5630325"/>
+            <a:off x="4768690" y="5375228"/>
             <a:ext cx="4034851" cy="646331"/>
           </a:xfrm>
           <a:prstGeom prst="rect">
@@ -6182,13 +6051,13 @@
               </a:ext>
             </a:extLst>
           </a:blip>
-          <a:srcRect l="2559" t="2794" r="2069" b="3489"/>
+          <a:srcRect l="7316" t="9700" r="8844" b="11889"/>
           <a:stretch/>
         </p:blipFill>
         <p:spPr bwMode="auto">
           <a:xfrm>
-            <a:off x="805217" y="2106305"/>
-            <a:ext cx="3693915" cy="2397456"/>
+            <a:off x="1502807" y="1906136"/>
+            <a:ext cx="3686441" cy="2277157"/>
           </a:xfrm>
           <a:prstGeom prst="rect">
             <a:avLst/>
@@ -6240,13 +6109,13 @@
               </a:ext>
             </a:extLst>
           </a:blip>
-          <a:srcRect l="2226" t="3202" r="2197" b="4086"/>
+          <a:srcRect l="6684" t="7988" r="6986" b="11415"/>
           <a:stretch/>
         </p:blipFill>
         <p:spPr bwMode="auto">
           <a:xfrm>
-            <a:off x="805217" y="4288857"/>
-            <a:ext cx="3693915" cy="2401110"/>
+            <a:off x="1502807" y="4021202"/>
+            <a:ext cx="3699507" cy="2314393"/>
           </a:xfrm>
           <a:prstGeom prst="rect">
             <a:avLst/>
@@ -6298,13 +6167,13 @@
               </a:ext>
             </a:extLst>
           </a:blip>
-          <a:srcRect l="3346" t="3274" r="2442" b="3650"/>
+          <a:srcRect l="8804" t="9748" r="8390" b="11460"/>
           <a:stretch/>
         </p:blipFill>
         <p:spPr bwMode="auto">
           <a:xfrm>
-            <a:off x="7355575" y="2015663"/>
-            <a:ext cx="3488517" cy="2273194"/>
+            <a:off x="8045691" y="1894894"/>
+            <a:ext cx="3545808" cy="2171629"/>
           </a:xfrm>
           <a:prstGeom prst="rect">
             <a:avLst/>
@@ -6356,13 +6225,13 @@
               </a:ext>
             </a:extLst>
           </a:blip>
-          <a:srcRect l="2193" t="2198" r="2544" b="3885"/>
+          <a:srcRect l="8520" t="8721" r="8017" b="11385"/>
           <a:stretch/>
         </p:blipFill>
         <p:spPr bwMode="auto">
           <a:xfrm>
-            <a:off x="7355575" y="4288857"/>
-            <a:ext cx="3509689" cy="2333975"/>
+            <a:off x="8045691" y="4019977"/>
+            <a:ext cx="3561043" cy="2336373"/>
           </a:xfrm>
           <a:prstGeom prst="rect">
             <a:avLst/>
@@ -6452,7 +6321,7 @@
         </p:nvSpPr>
         <p:spPr>
           <a:xfrm>
-            <a:off x="2556680" y="287788"/>
+            <a:off x="3120788" y="-13980"/>
             <a:ext cx="9556845" cy="1249859"/>
           </a:xfrm>
         </p:spPr>
@@ -6520,7 +6389,7 @@
           </p:cNvPicPr>
           <p:nvPr/>
         </p:nvPicPr>
-        <p:blipFill>
+        <p:blipFill rotWithShape="1">
           <a:blip r:embed="rId2">
             <a:extLst>
               <a:ext uri="{28A0092B-C50C-407E-A947-70E740481C1C}">
@@ -6528,15 +6397,13 @@
               </a:ext>
             </a:extLst>
           </a:blip>
-          <a:srcRect/>
-          <a:stretch>
-            <a:fillRect/>
-          </a:stretch>
+          <a:srcRect l="2140" t="1951" r="6139" b="10353"/>
+          <a:stretch/>
         </p:blipFill>
         <p:spPr bwMode="auto">
           <a:xfrm>
-            <a:off x="385312" y="1933563"/>
-            <a:ext cx="5346748" cy="2408567"/>
+            <a:off x="1428465" y="1536279"/>
+            <a:ext cx="4904095" cy="2112224"/>
           </a:xfrm>
           <a:prstGeom prst="rect">
             <a:avLst/>
@@ -6580,7 +6447,7 @@
           </p:cNvPicPr>
           <p:nvPr/>
         </p:nvPicPr>
-        <p:blipFill>
+        <p:blipFill rotWithShape="1">
           <a:blip r:embed="rId3">
             <a:extLst>
               <a:ext uri="{28A0092B-C50C-407E-A947-70E740481C1C}">
@@ -6588,15 +6455,13 @@
               </a:ext>
             </a:extLst>
           </a:blip>
-          <a:srcRect/>
-          <a:stretch>
-            <a:fillRect/>
-          </a:stretch>
+          <a:srcRect l="2140" t="7707" r="4948" b="8636"/>
+          <a:stretch/>
         </p:blipFill>
         <p:spPr bwMode="auto">
           <a:xfrm>
-            <a:off x="385311" y="4196622"/>
-            <a:ext cx="5346747" cy="2524853"/>
+            <a:off x="1428465" y="4157953"/>
+            <a:ext cx="4904095" cy="2085144"/>
           </a:xfrm>
           <a:prstGeom prst="rect">
             <a:avLst/>
@@ -6640,7 +6505,7 @@
           </p:cNvPicPr>
           <p:nvPr/>
         </p:nvPicPr>
-        <p:blipFill>
+        <p:blipFill rotWithShape="1">
           <a:blip r:embed="rId4">
             <a:extLst>
               <a:ext uri="{28A0092B-C50C-407E-A947-70E740481C1C}">
@@ -6648,15 +6513,13 @@
               </a:ext>
             </a:extLst>
           </a:blip>
-          <a:srcRect/>
-          <a:stretch>
-            <a:fillRect/>
-          </a:stretch>
+          <a:srcRect l="938" t="3897" r="2877" b="4118"/>
+          <a:stretch/>
         </p:blipFill>
         <p:spPr bwMode="auto">
           <a:xfrm>
-            <a:off x="5882397" y="2992338"/>
-            <a:ext cx="6064209" cy="2408567"/>
+            <a:off x="6505433" y="2688371"/>
+            <a:ext cx="5381766" cy="2215486"/>
           </a:xfrm>
           <a:prstGeom prst="rect">
             <a:avLst/>
@@ -6696,13 +6559,13 @@
   <p:clrMapOvr>
     <a:masterClrMapping/>
   </p:clrMapOvr>
-  <mc:AlternateContent xmlns:mc="http://schemas.openxmlformats.org/markup-compatibility/2006">
-    <mc:Choice xmlns:p14="http://schemas.microsoft.com/office/powerpoint/2010/main" Requires="p14">
+  <mc:AlternateContent xmlns:mc="http://schemas.openxmlformats.org/markup-compatibility/2006" xmlns:p14="http://schemas.microsoft.com/office/powerpoint/2010/main">
+    <mc:Choice Requires="p14">
       <p:transition spd="med" p14:dur="700">
         <p:fade/>
       </p:transition>
     </mc:Choice>
-    <mc:Fallback>
+    <mc:Fallback xmlns="">
       <p:transition spd="med">
         <p:fade/>
       </p:transition>
@@ -6822,8 +6685,8 @@
         </p:blipFill>
         <p:spPr bwMode="auto">
           <a:xfrm>
-            <a:off x="292955" y="2348563"/>
-            <a:ext cx="5803045" cy="3573463"/>
+            <a:off x="985604" y="2348564"/>
+            <a:ext cx="5110396" cy="3146936"/>
           </a:xfrm>
           <a:prstGeom prst="rect">
             <a:avLst/>
@@ -6882,8 +6745,8 @@
         </p:blipFill>
         <p:spPr bwMode="auto">
           <a:xfrm>
-            <a:off x="6173337" y="2348563"/>
-            <a:ext cx="5601507" cy="3573463"/>
+            <a:off x="6464491" y="2348564"/>
+            <a:ext cx="4926842" cy="3143063"/>
           </a:xfrm>
           <a:prstGeom prst="rect">
             <a:avLst/>
@@ -6927,8 +6790,8 @@
         </p:nvSpPr>
         <p:spPr>
           <a:xfrm>
-            <a:off x="28196" y="2046665"/>
-            <a:ext cx="6332561" cy="369332"/>
+            <a:off x="0" y="1702233"/>
+            <a:ext cx="6332561" cy="646331"/>
           </a:xfrm>
           <a:prstGeom prst="rect">
             <a:avLst/>
@@ -6948,13 +6811,15 @@
               <a:rPr lang="ro-RO" dirty="0">
                 <a:latin typeface="+mj-lt"/>
               </a:rPr>
-              <a:t>Exemplu de rezultat pentru </a:t>
-            </a:r>
+              <a:t>Exemplu de rezultat pentru</a:t>
+            </a:r>
+          </a:p>
+          <a:p>
             <a:r>
               <a:rPr lang="ro-RO" i="1" dirty="0">
                 <a:latin typeface="+mj-lt"/>
               </a:rPr>
-              <a:t>Display Estimated Execution Plan</a:t>
+              <a:t>	Display Estimated Execution Plan</a:t>
             </a:r>
             <a:endParaRPr lang="ro-RO" dirty="0">
               <a:latin typeface="+mj-lt"/>
@@ -6976,8 +6841,8 @@
         </p:nvSpPr>
         <p:spPr>
           <a:xfrm>
-            <a:off x="6096000" y="2046665"/>
-            <a:ext cx="6332561" cy="369332"/>
+            <a:off x="5263487" y="1702233"/>
+            <a:ext cx="6332561" cy="646331"/>
           </a:xfrm>
           <a:prstGeom prst="rect">
             <a:avLst/>
@@ -6997,13 +6862,15 @@
               <a:rPr lang="ro-RO" dirty="0">
                 <a:latin typeface="+mj-lt"/>
               </a:rPr>
-              <a:t>Exemplu de rezultat pentru </a:t>
-            </a:r>
+              <a:t>Exemplu de rezultat pentru</a:t>
+            </a:r>
+          </a:p>
+          <a:p>
             <a:r>
               <a:rPr lang="ro-RO" i="1" dirty="0">
                 <a:latin typeface="+mj-lt"/>
               </a:rPr>
-              <a:t>Display Actual Execution Plan</a:t>
+              <a:t>	Display Actual Execution Plan</a:t>
             </a:r>
             <a:endParaRPr lang="ro-RO" dirty="0">
               <a:latin typeface="+mj-lt"/>
@@ -7145,7 +7012,7 @@
         </p:blipFill>
         <p:spPr bwMode="auto">
           <a:xfrm>
-            <a:off x="821140" y="1812997"/>
+            <a:off x="1439838" y="1812995"/>
             <a:ext cx="4453719" cy="4543353"/>
           </a:xfrm>
           <a:prstGeom prst="rect">
@@ -7232,7 +7099,7 @@
         </p:nvSpPr>
         <p:spPr>
           <a:xfrm>
-            <a:off x="5759355" y="1812996"/>
+            <a:off x="5976582" y="1812995"/>
             <a:ext cx="6009564" cy="4543353"/>
           </a:xfrm>
           <a:prstGeom prst="rect">
@@ -7474,13 +7341,13 @@
   <p:clrMapOvr>
     <a:masterClrMapping/>
   </p:clrMapOvr>
-  <mc:AlternateContent xmlns:mc="http://schemas.openxmlformats.org/markup-compatibility/2006">
-    <mc:Choice xmlns:p14="http://schemas.microsoft.com/office/powerpoint/2010/main" Requires="p14">
+  <mc:AlternateContent xmlns:mc="http://schemas.openxmlformats.org/markup-compatibility/2006" xmlns:p14="http://schemas.microsoft.com/office/powerpoint/2010/main">
+    <mc:Choice Requires="p14">
       <p:transition spd="med" p14:dur="700">
         <p:fade/>
       </p:transition>
     </mc:Choice>
-    <mc:Fallback>
+    <mc:Fallback xmlns="">
       <p:transition spd="med">
         <p:fade/>
       </p:transition>
@@ -7660,7 +7527,7 @@
         </p:blipFill>
         <p:spPr bwMode="auto">
           <a:xfrm>
-            <a:off x="896380" y="4599201"/>
+            <a:off x="1410446" y="4583812"/>
             <a:ext cx="2501455" cy="1757149"/>
           </a:xfrm>
           <a:prstGeom prst="rect">
@@ -7780,7 +7647,7 @@
         </p:blipFill>
         <p:spPr bwMode="auto">
           <a:xfrm>
-            <a:off x="896380" y="1836466"/>
+            <a:off x="1410446" y="1821077"/>
             <a:ext cx="3880820" cy="1845581"/>
           </a:xfrm>
           <a:prstGeom prst="rect">
@@ -7825,7 +7692,7 @@
         </p:nvSpPr>
         <p:spPr>
           <a:xfrm>
-            <a:off x="637467" y="1446901"/>
+            <a:off x="1151533" y="1431512"/>
             <a:ext cx="1850975" cy="400110"/>
           </a:xfrm>
           <a:prstGeom prst="rect">
@@ -7874,7 +7741,7 @@
         </p:nvSpPr>
         <p:spPr>
           <a:xfrm>
-            <a:off x="637466" y="4193895"/>
+            <a:off x="1151532" y="4178506"/>
             <a:ext cx="1850975" cy="400110"/>
           </a:xfrm>
           <a:prstGeom prst="rect">
@@ -8124,14 +7991,14 @@
           <p:nvPr>
             <p:extLst>
               <p:ext uri="{D42A27DB-BD31-4B8C-83A1-F6EECF244321}">
-                <p14:modId xmlns:p14="http://schemas.microsoft.com/office/powerpoint/2010/main" val="1940994784"/>
+                <p14:modId xmlns:p14="http://schemas.microsoft.com/office/powerpoint/2010/main" val="53603474"/>
               </p:ext>
             </p:extLst>
           </p:nvPr>
         </p:nvGraphicFramePr>
         <p:xfrm>
-          <a:off x="1293504" y="1779642"/>
-          <a:ext cx="9814257" cy="4519209"/>
+          <a:off x="1416334" y="1788740"/>
+          <a:ext cx="9814257" cy="4469557"/>
         </p:xfrm>
         <a:graphic>
           <a:graphicData uri="http://schemas.openxmlformats.org/drawingml/2006/table">
@@ -8162,7 +8029,7 @@
                   </a:extLst>
                 </a:gridCol>
               </a:tblGrid>
-              <a:tr h="472239">
+              <a:tr h="446197">
                 <a:tc>
                   <a:txBody>
                     <a:bodyPr/>
@@ -8360,7 +8227,7 @@
                   </a:ext>
                 </a:extLst>
               </a:tr>
-              <a:tr h="651885">
+              <a:tr h="886819">
                 <a:tc>
                   <a:txBody>
                     <a:bodyPr/>
@@ -8514,7 +8381,19 @@
                         <a:rPr lang="ro-RO" dirty="0">
                           <a:latin typeface="+mj-lt"/>
                         </a:rPr>
-                        <a:t>Biblioteci oficiale doar pentru C#, JS, Go, Python, dar există și dezvoltate OpenSource pt. alte limbaje</a:t>
+                        <a:t>Biblioteci oficiale doar pentru C</a:t>
+                      </a:r>
+                      <a:r>
+                        <a:rPr lang="ro-RO">
+                          <a:latin typeface="+mj-lt"/>
+                        </a:rPr>
+                        <a:t>#, Java, JS</a:t>
+                      </a:r>
+                      <a:r>
+                        <a:rPr lang="ro-RO" dirty="0">
+                          <a:latin typeface="+mj-lt"/>
+                        </a:rPr>
+                        <a:t>, Go, Python, dar există și dezvoltate OpenSource pt. alte limbaje</a:t>
                       </a:r>
                     </a:p>
                   </a:txBody>
@@ -8582,7 +8461,7 @@
                   </a:ext>
                 </a:extLst>
               </a:tr>
-              <a:tr h="651885">
+              <a:tr h="886819">
                 <a:tc>
                   <a:txBody>
                     <a:bodyPr/>
@@ -8835,7 +8714,7 @@
                   </a:ext>
                 </a:extLst>
               </a:tr>
-              <a:tr h="651885">
+              <a:tr h="620774">
                 <a:tc>
                   <a:txBody>
                     <a:bodyPr/>
@@ -9058,7 +8937,7 @@
                   </a:ext>
                 </a:extLst>
               </a:tr>
-              <a:tr h="651885">
+              <a:tr h="620774">
                 <a:tc>
                   <a:txBody>
                     <a:bodyPr/>
@@ -9287,7 +9166,7 @@
                   </a:ext>
                 </a:extLst>
               </a:tr>
-              <a:tr h="651885">
+              <a:tr h="886819">
                 <a:tc>
                   <a:txBody>
                     <a:bodyPr/>
@@ -10038,7 +9917,7 @@
             </a:endParaRPr>
           </a:p>
           <a:p>
-            <a:pPr marL="342900" indent="-342900" algn="ctr">
+            <a:pPr marL="342900" indent="-342900" algn="just">
               <a:buFontTx/>
               <a:buChar char="-"/>
             </a:pPr>
@@ -10053,7 +9932,7 @@
             </a:r>
           </a:p>
           <a:p>
-            <a:pPr marL="342900" indent="-342900" algn="ctr">
+            <a:pPr marL="342900" indent="-342900" algn="just">
               <a:buFontTx/>
               <a:buChar char="-"/>
             </a:pPr>
@@ -10068,7 +9947,7 @@
             </a:r>
           </a:p>
           <a:p>
-            <a:pPr marL="342900" indent="-342900" algn="ctr">
+            <a:pPr marL="342900" indent="-342900" algn="just">
               <a:buFontTx/>
               <a:buChar char="-"/>
             </a:pPr>
@@ -10183,7 +10062,7 @@
             </a:endParaRPr>
           </a:p>
           <a:p>
-            <a:pPr marL="342900" indent="-342900" algn="ctr">
+            <a:pPr marL="342900" indent="-342900">
               <a:buFontTx/>
               <a:buChar char="-"/>
             </a:pPr>
@@ -10198,7 +10077,7 @@
             </a:r>
           </a:p>
           <a:p>
-            <a:pPr marL="342900" indent="-342900" algn="ctr">
+            <a:pPr marL="342900" indent="-342900">
               <a:buFontTx/>
               <a:buChar char="-"/>
             </a:pPr>
@@ -10213,7 +10092,7 @@
             </a:r>
           </a:p>
           <a:p>
-            <a:pPr marL="342900" indent="-342900" algn="ctr">
+            <a:pPr marL="342900" indent="-342900">
               <a:buFontTx/>
               <a:buChar char="-"/>
             </a:pPr>
@@ -10228,7 +10107,7 @@
             </a:r>
           </a:p>
           <a:p>
-            <a:pPr marL="342900" indent="-342900" algn="ctr">
+            <a:pPr marL="342900" indent="-342900">
               <a:buFontTx/>
               <a:buChar char="-"/>
             </a:pPr>
@@ -12496,7 +12375,7 @@
         </p:blipFill>
         <p:spPr bwMode="auto">
           <a:xfrm>
-            <a:off x="4569523" y="1553964"/>
+            <a:off x="4569523" y="1738630"/>
             <a:ext cx="7481449" cy="4019470"/>
           </a:xfrm>
           <a:prstGeom prst="rect">
@@ -12543,8 +12422,8 @@
         </p:nvSpPr>
         <p:spPr>
           <a:xfrm>
-            <a:off x="800668" y="1553964"/>
-            <a:ext cx="3866545" cy="4023028"/>
+            <a:off x="809766" y="1741896"/>
+            <a:ext cx="3866545" cy="4146251"/>
           </a:xfrm>
           <a:prstGeom prst="rect">
             <a:avLst/>
@@ -12773,7 +12652,7 @@
               <a:rPr lang="ro-RO" sz="2400" dirty="0">
                 <a:latin typeface="+mj-lt"/>
               </a:rPr>
-              <a:t>Vizualizarea informațiilor la rulatre</a:t>
+              <a:t>Vizualizarea informațiilor la rulare</a:t>
             </a:r>
           </a:p>
           <a:p>
@@ -12807,7 +12686,7 @@
         </p:nvSpPr>
         <p:spPr>
           <a:xfrm>
-            <a:off x="9728010" y="5573434"/>
+            <a:off x="9755305" y="5703481"/>
             <a:ext cx="2983637" cy="369332"/>
           </a:xfrm>
           <a:prstGeom prst="rect">
@@ -13284,13 +13163,13 @@
   <p:clrMapOvr>
     <a:masterClrMapping/>
   </p:clrMapOvr>
-  <mc:AlternateContent xmlns:mc="http://schemas.openxmlformats.org/markup-compatibility/2006">
-    <mc:Choice xmlns:p14="http://schemas.microsoft.com/office/powerpoint/2010/main" Requires="p14">
+  <mc:AlternateContent xmlns:mc="http://schemas.openxmlformats.org/markup-compatibility/2006" xmlns:p14="http://schemas.microsoft.com/office/powerpoint/2010/main">
+    <mc:Choice Requires="p14">
       <p:transition spd="med" p14:dur="700">
         <p:fade/>
       </p:transition>
     </mc:Choice>
-    <mc:Fallback>
+    <mc:Fallback xmlns="">
       <p:transition spd="med">
         <p:fade/>
       </p:transition>
@@ -13468,7 +13347,7 @@
             </a:endParaRPr>
           </a:p>
           <a:p>
-            <a:pPr marL="342900" indent="-342900" algn="ctr">
+            <a:pPr marL="342900" indent="-342900" algn="just">
               <a:buFontTx/>
               <a:buChar char="-"/>
             </a:pPr>
@@ -13483,7 +13362,7 @@
             </a:r>
           </a:p>
           <a:p>
-            <a:pPr marL="342900" indent="-342900" algn="ctr">
+            <a:pPr marL="342900" indent="-342900" algn="just">
               <a:buFontTx/>
               <a:buChar char="-"/>
             </a:pPr>
@@ -13498,7 +13377,7 @@
             </a:r>
           </a:p>
           <a:p>
-            <a:pPr marL="342900" indent="-342900" algn="ctr">
+            <a:pPr marL="342900" indent="-342900" algn="just">
               <a:buFontTx/>
               <a:buChar char="-"/>
             </a:pPr>
@@ -13680,7 +13559,7 @@
             </a:endParaRPr>
           </a:p>
           <a:p>
-            <a:pPr marL="342900" indent="-342900" algn="ctr">
+            <a:pPr marL="342900" indent="-342900" algn="just">
               <a:buFontTx/>
               <a:buChar char="-"/>
             </a:pPr>
@@ -13695,7 +13574,7 @@
             </a:r>
           </a:p>
           <a:p>
-            <a:pPr marL="342900" indent="-342900" algn="ctr">
+            <a:pPr marL="342900" indent="-342900" algn="just">
               <a:buFontTx/>
               <a:buChar char="-"/>
             </a:pPr>
@@ -13710,7 +13589,7 @@
             </a:r>
           </a:p>
           <a:p>
-            <a:pPr marL="342900" indent="-342900" algn="ctr">
+            <a:pPr marL="342900" indent="-342900" algn="just">
               <a:buFontTx/>
               <a:buChar char="-"/>
             </a:pPr>
@@ -13725,7 +13604,7 @@
             </a:r>
           </a:p>
           <a:p>
-            <a:pPr algn="ctr"/>
+            <a:pPr algn="just"/>
             <a:r>
               <a:rPr lang="ro-RO" sz="2000" dirty="0">
                 <a:solidFill>
@@ -13733,7 +13612,7 @@
                 </a:solidFill>
                 <a:latin typeface="+mj-lt"/>
               </a:rPr>
-              <a:t>- Securitate</a:t>
+              <a:t>-     Securitate</a:t>
             </a:r>
           </a:p>
         </p:txBody>
@@ -14154,8 +14033,8 @@
         </p:nvSpPr>
         <p:spPr>
           <a:xfrm>
-            <a:off x="100084" y="2665310"/>
-            <a:ext cx="2028967" cy="935978"/>
+            <a:off x="475829" y="2967160"/>
+            <a:ext cx="1756148" cy="836016"/>
           </a:xfrm>
           <a:prstGeom prst="ellipse">
             <a:avLst/>
@@ -14208,12 +14087,12 @@
           <a:p>
             <a:pPr algn="ctr"/>
             <a:r>
-              <a:rPr lang="ro-RO" sz="2000" b="1" i="1" dirty="0">
+              <a:rPr lang="ro-RO" b="1" i="1" dirty="0">
                 <a:latin typeface="+mj-lt"/>
               </a:rPr>
               <a:t>JavaScript + React.js</a:t>
             </a:r>
-            <a:endParaRPr lang="ro-RO" sz="1600" b="1" i="1" dirty="0">
+            <a:endParaRPr lang="ro-RO" sz="1400" b="1" i="1" dirty="0">
               <a:latin typeface="+mj-lt"/>
             </a:endParaRPr>
           </a:p>
@@ -15601,15 +15480,6 @@
 </file>
 
 <file path=customXml/item2.xml><?xml version="1.0" encoding="utf-8"?>
-<?mso-contentType ?>
-<FormTemplates xmlns="http://schemas.microsoft.com/sharepoint/v3/contenttype/forms">
-  <Display>DocumentLibraryForm</Display>
-  <Edit>DocumentLibraryForm</Edit>
-  <New>DocumentLibraryForm</New>
-</FormTemplates>
-</file>
-
-<file path=customXml/item3.xml><?xml version="1.0" encoding="utf-8"?>
 <p:properties xmlns:p="http://schemas.microsoft.com/office/2006/metadata/properties" xmlns:xsi="http://www.w3.org/2001/XMLSchema-instance" xmlns:pc="http://schemas.microsoft.com/office/infopath/2007/PartnerControls">
   <documentManagement>
     <VSO_x0020_item_x0020_id xmlns="40262f94-9f35-4ac3-9a90-690165a166b7" xsi:nil="true"/>
@@ -15618,6 +15488,15 @@
     <Template_x0020_details xmlns="40262f94-9f35-4ac3-9a90-690165a166b7" xsi:nil="true"/>
   </documentManagement>
 </p:properties>
+</file>
+
+<file path=customXml/item3.xml><?xml version="1.0" encoding="utf-8"?>
+<?mso-contentType ?>
+<FormTemplates xmlns="http://schemas.microsoft.com/sharepoint/v3/contenttype/forms">
+  <Display>DocumentLibraryForm</Display>
+  <Edit>DocumentLibraryForm</Edit>
+  <New>DocumentLibraryForm</New>
+</FormTemplates>
 </file>
 
 <file path=customXml/itemProps1.xml><?xml version="1.0" encoding="utf-8"?>
@@ -15640,14 +15519,6 @@
 </file>
 
 <file path=customXml/itemProps2.xml><?xml version="1.0" encoding="utf-8"?>
-<ds:datastoreItem xmlns:ds="http://schemas.openxmlformats.org/officeDocument/2006/customXml" ds:itemID="{B024FD56-CE1B-42FC-9E83-BFBF160724C6}">
-  <ds:schemaRefs>
-    <ds:schemaRef ds:uri="http://schemas.microsoft.com/sharepoint/v3/contenttype/forms"/>
-  </ds:schemaRefs>
-</ds:datastoreItem>
-</file>
-
-<file path=customXml/itemProps3.xml><?xml version="1.0" encoding="utf-8"?>
 <ds:datastoreItem xmlns:ds="http://schemas.openxmlformats.org/officeDocument/2006/customXml" ds:itemID="{DEDD01B8-816B-49B7-8C81-03AB51D87C54}">
   <ds:schemaRefs>
     <ds:schemaRef ds:uri="http://schemas.microsoft.com/office/2006/documentManagement/types"/>
@@ -15662,4 +15533,12 @@
     <ds:schemaRef ds:uri="http://www.w3.org/XML/1998/namespace"/>
   </ds:schemaRefs>
 </ds:datastoreItem>
+</file>
+
+<file path=customXml/itemProps3.xml><?xml version="1.0" encoding="utf-8"?>
+<ds:datastoreItem xmlns:ds="http://schemas.openxmlformats.org/officeDocument/2006/customXml" ds:itemID="{B024FD56-CE1B-42FC-9E83-BFBF160724C6}">
+  <ds:schemaRefs>
+    <ds:schemaRef ds:uri="http://schemas.microsoft.com/sharepoint/v3/contenttype/forms"/>
+  </ds:schemaRefs>
+</ds:datastoreItem>
 </file>